--- a/문제 수식화.pptx
+++ b/문제 수식화.pptx
@@ -8191,8 +8191,8 @@
           </p:sp>
         </mc:Fallback>
       </mc:AlternateContent>
-      <mc:AlternateContent xmlns:mc="http://schemas.openxmlformats.org/markup-compatibility/2006" xmlns:a14="http://schemas.microsoft.com/office/drawing/2010/main">
-        <mc:Choice Requires="a14">
+      <mc:AlternateContent xmlns:mc="http://schemas.openxmlformats.org/markup-compatibility/2006">
+        <mc:Choice xmlns:a14="http://schemas.microsoft.com/office/drawing/2010/main" Requires="a14">
           <p:sp>
             <p:nvSpPr>
               <p:cNvPr id="3" name="직사각형 2">
@@ -8208,7 +8208,7 @@
             <p:spPr>
               <a:xfrm>
                 <a:off x="798224" y="2765592"/>
-                <a:ext cx="5522217" cy="394403"/>
+                <a:ext cx="8005268" cy="394403"/>
               </a:xfrm>
               <a:prstGeom prst="rect">
                 <a:avLst/>
@@ -8675,11 +8675,24 @@
                   <a:rPr lang="ko-KR" altLang="en-US" dirty="0"/>
                   <a:t> </a:t>
                 </a:r>
+                <a:r>
+                  <a:rPr lang="en-US" altLang="ko-KR" dirty="0"/>
+                  <a:t>-&gt; </a:t>
+                </a:r>
+                <a:r>
+                  <a:rPr lang="ko-KR" altLang="en-US" dirty="0"/>
+                  <a:t>범위를 </a:t>
+                </a:r>
+                <a:r>
+                  <a:rPr lang="ko-KR" altLang="en-US"/>
+                  <a:t>단일 시간으로 </a:t>
+                </a:r>
+                <a:endParaRPr lang="ko-KR" altLang="en-US" dirty="0"/>
               </a:p>
             </p:txBody>
           </p:sp>
         </mc:Choice>
-        <mc:Fallback xmlns="">
+        <mc:Fallback>
           <p:sp>
             <p:nvSpPr>
               <p:cNvPr id="3" name="직사각형 2">
@@ -8697,7 +8710,7 @@
             <p:spPr>
               <a:xfrm>
                 <a:off x="798224" y="2765592"/>
-                <a:ext cx="5522217" cy="394403"/>
+                <a:ext cx="8005268" cy="394403"/>
               </a:xfrm>
               <a:prstGeom prst="rect">
                 <a:avLst/>
